--- a/materials/readAloud-ldt/stimuli/resources/figure2.pptx
+++ b/materials/readAloud-ldt/stimuli/resources/figure2.pptx
@@ -2,12 +2,13 @@
 <file path=ppt/presentation.xml><?xml version="1.0" encoding="utf-8"?>
 <p:presentation xmlns:a="http://schemas.openxmlformats.org/drawingml/2006/main" xmlns:r="http://schemas.openxmlformats.org/officeDocument/2006/relationships" xmlns:p="http://schemas.openxmlformats.org/presentationml/2006/main" saveSubsetFonts="1" autoCompressPictures="0">
   <p:sldMasterIdLst>
-    <p:sldMasterId id="2147483660" r:id="rId1"/>
+    <p:sldMasterId id="2147483684" r:id="rId1"/>
   </p:sldMasterIdLst>
   <p:sldIdLst>
     <p:sldId id="256" r:id="rId2"/>
+    <p:sldId id="257" r:id="rId3"/>
   </p:sldIdLst>
-  <p:sldSz cx="7315200" cy="6400800"/>
+  <p:sldSz cx="13716000" cy="8229600"/>
   <p:notesSz cx="6858000" cy="9144000"/>
   <p:defaultTextStyle>
     <a:defPPr>
@@ -107,12 +108,12 @@
   <p:extLst>
     <p:ext uri="{EFAFB233-063F-42B5-8137-9DF3F51BA10A}">
       <p15:sldGuideLst xmlns:p15="http://schemas.microsoft.com/office/powerpoint/2012/main">
-        <p15:guide id="1" orient="horz" pos="2016" userDrawn="1">
+        <p15:guide id="1" orient="horz" pos="2592" userDrawn="1">
           <p15:clr>
             <a:srgbClr val="A4A3A4"/>
           </p15:clr>
         </p15:guide>
-        <p15:guide id="2" pos="2088" userDrawn="1">
+        <p15:guide id="2" pos="3915" userDrawn="1">
           <p15:clr>
             <a:srgbClr val="A4A3A4"/>
           </p15:clr>
@@ -152,15 +153,15 @@
         </p:nvSpPr>
         <p:spPr>
           <a:xfrm>
-            <a:off x="548640" y="1047539"/>
-            <a:ext cx="6217920" cy="2228427"/>
+            <a:off x="1714500" y="1346836"/>
+            <a:ext cx="10287000" cy="2865120"/>
           </a:xfrm>
         </p:spPr>
         <p:txBody>
           <a:bodyPr anchor="b"/>
           <a:lstStyle>
             <a:lvl1pPr algn="ctr">
-              <a:defRPr sz="4800"/>
+              <a:defRPr sz="6750"/>
             </a:lvl1pPr>
           </a:lstStyle>
           <a:p>
@@ -184,8 +185,8 @@
         </p:nvSpPr>
         <p:spPr>
           <a:xfrm>
-            <a:off x="914400" y="3361902"/>
-            <a:ext cx="5486400" cy="1545378"/>
+            <a:off x="1714500" y="4322446"/>
+            <a:ext cx="10287000" cy="1986914"/>
           </a:xfrm>
         </p:spPr>
         <p:txBody>
@@ -193,39 +194,39 @@
           <a:lstStyle>
             <a:lvl1pPr marL="0" indent="0" algn="ctr">
               <a:buNone/>
-              <a:defRPr sz="1920"/>
+              <a:defRPr sz="2700"/>
             </a:lvl1pPr>
-            <a:lvl2pPr marL="365760" indent="0" algn="ctr">
-              <a:buNone/>
-              <a:defRPr sz="1600"/>
+            <a:lvl2pPr marL="514350" indent="0" algn="ctr">
+              <a:buNone/>
+              <a:defRPr sz="2250"/>
             </a:lvl2pPr>
-            <a:lvl3pPr marL="731520" indent="0" algn="ctr">
-              <a:buNone/>
-              <a:defRPr sz="1440"/>
+            <a:lvl3pPr marL="1028700" indent="0" algn="ctr">
+              <a:buNone/>
+              <a:defRPr sz="2025"/>
             </a:lvl3pPr>
-            <a:lvl4pPr marL="1097280" indent="0" algn="ctr">
-              <a:buNone/>
-              <a:defRPr sz="1280"/>
+            <a:lvl4pPr marL="1543050" indent="0" algn="ctr">
+              <a:buNone/>
+              <a:defRPr sz="1800"/>
             </a:lvl4pPr>
-            <a:lvl5pPr marL="1463040" indent="0" algn="ctr">
-              <a:buNone/>
-              <a:defRPr sz="1280"/>
+            <a:lvl5pPr marL="2057400" indent="0" algn="ctr">
+              <a:buNone/>
+              <a:defRPr sz="1800"/>
             </a:lvl5pPr>
-            <a:lvl6pPr marL="1828800" indent="0" algn="ctr">
-              <a:buNone/>
-              <a:defRPr sz="1280"/>
+            <a:lvl6pPr marL="2571750" indent="0" algn="ctr">
+              <a:buNone/>
+              <a:defRPr sz="1800"/>
             </a:lvl6pPr>
-            <a:lvl7pPr marL="2194560" indent="0" algn="ctr">
-              <a:buNone/>
-              <a:defRPr sz="1280"/>
+            <a:lvl7pPr marL="3086100" indent="0" algn="ctr">
+              <a:buNone/>
+              <a:defRPr sz="1800"/>
             </a:lvl7pPr>
-            <a:lvl8pPr marL="2560320" indent="0" algn="ctr">
-              <a:buNone/>
-              <a:defRPr sz="1280"/>
+            <a:lvl8pPr marL="3600450" indent="0" algn="ctr">
+              <a:buNone/>
+              <a:defRPr sz="1800"/>
             </a:lvl8pPr>
-            <a:lvl9pPr marL="2926080" indent="0" algn="ctr">
-              <a:buNone/>
-              <a:defRPr sz="1280"/>
+            <a:lvl9pPr marL="4114800" indent="0" algn="ctr">
+              <a:buNone/>
+              <a:defRPr sz="1800"/>
             </a:lvl9pPr>
           </a:lstStyle>
           <a:p>
@@ -254,7 +255,7 @@
           <a:p>
             <a:fld id="{E8D6329F-4215-7B41-9D18-10543C83A50F}" type="datetimeFigureOut">
               <a:rPr lang="en-US" smtClean="0"/>
-              <a:t>11/19/22</a:t>
+              <a:t>11/22/22</a:t>
             </a:fld>
             <a:endParaRPr lang="en-US"/>
           </a:p>
@@ -305,7 +306,7 @@
     </p:spTree>
     <p:extLst>
       <p:ext uri="{BB962C8B-B14F-4D97-AF65-F5344CB8AC3E}">
-        <p14:creationId xmlns:p14="http://schemas.microsoft.com/office/powerpoint/2010/main" val="1516573906"/>
+        <p14:creationId xmlns:p14="http://schemas.microsoft.com/office/powerpoint/2010/main" val="914197951"/>
       </p:ext>
     </p:extLst>
   </p:cSld>
@@ -424,7 +425,7 @@
           <a:p>
             <a:fld id="{E8D6329F-4215-7B41-9D18-10543C83A50F}" type="datetimeFigureOut">
               <a:rPr lang="en-US" smtClean="0"/>
-              <a:t>11/19/22</a:t>
+              <a:t>11/22/22</a:t>
             </a:fld>
             <a:endParaRPr lang="en-US"/>
           </a:p>
@@ -475,7 +476,7 @@
     </p:spTree>
     <p:extLst>
       <p:ext uri="{BB962C8B-B14F-4D97-AF65-F5344CB8AC3E}">
-        <p14:creationId xmlns:p14="http://schemas.microsoft.com/office/powerpoint/2010/main" val="4238955852"/>
+        <p14:creationId xmlns:p14="http://schemas.microsoft.com/office/powerpoint/2010/main" val="1542032101"/>
       </p:ext>
     </p:extLst>
   </p:cSld>
@@ -514,8 +515,8 @@
         </p:nvSpPr>
         <p:spPr>
           <a:xfrm>
-            <a:off x="5234940" y="340783"/>
-            <a:ext cx="1577340" cy="5424382"/>
+            <a:off x="9815512" y="438150"/>
+            <a:ext cx="2957513" cy="6974206"/>
           </a:xfrm>
         </p:spPr>
         <p:txBody>
@@ -542,8 +543,8 @@
         </p:nvSpPr>
         <p:spPr>
           <a:xfrm>
-            <a:off x="502920" y="340783"/>
-            <a:ext cx="4640580" cy="5424382"/>
+            <a:off x="942975" y="438150"/>
+            <a:ext cx="8701088" cy="6974206"/>
           </a:xfrm>
         </p:spPr>
         <p:txBody>
@@ -604,7 +605,7 @@
           <a:p>
             <a:fld id="{E8D6329F-4215-7B41-9D18-10543C83A50F}" type="datetimeFigureOut">
               <a:rPr lang="en-US" smtClean="0"/>
-              <a:t>11/19/22</a:t>
+              <a:t>11/22/22</a:t>
             </a:fld>
             <a:endParaRPr lang="en-US"/>
           </a:p>
@@ -655,7 +656,7 @@
     </p:spTree>
     <p:extLst>
       <p:ext uri="{BB962C8B-B14F-4D97-AF65-F5344CB8AC3E}">
-        <p14:creationId xmlns:p14="http://schemas.microsoft.com/office/powerpoint/2010/main" val="3764578505"/>
+        <p14:creationId xmlns:p14="http://schemas.microsoft.com/office/powerpoint/2010/main" val="1062024719"/>
       </p:ext>
     </p:extLst>
   </p:cSld>
@@ -774,7 +775,7 @@
           <a:p>
             <a:fld id="{E8D6329F-4215-7B41-9D18-10543C83A50F}" type="datetimeFigureOut">
               <a:rPr lang="en-US" smtClean="0"/>
-              <a:t>11/19/22</a:t>
+              <a:t>11/22/22</a:t>
             </a:fld>
             <a:endParaRPr lang="en-US"/>
           </a:p>
@@ -825,7 +826,7 @@
     </p:spTree>
     <p:extLst>
       <p:ext uri="{BB962C8B-B14F-4D97-AF65-F5344CB8AC3E}">
-        <p14:creationId xmlns:p14="http://schemas.microsoft.com/office/powerpoint/2010/main" val="2827501285"/>
+        <p14:creationId xmlns:p14="http://schemas.microsoft.com/office/powerpoint/2010/main" val="2120013794"/>
       </p:ext>
     </p:extLst>
   </p:cSld>
@@ -864,15 +865,15 @@
         </p:nvSpPr>
         <p:spPr>
           <a:xfrm>
-            <a:off x="499110" y="1595757"/>
-            <a:ext cx="6309360" cy="2662555"/>
+            <a:off x="935831" y="2051686"/>
+            <a:ext cx="11830050" cy="3423284"/>
           </a:xfrm>
         </p:spPr>
         <p:txBody>
           <a:bodyPr anchor="b"/>
           <a:lstStyle>
             <a:lvl1pPr>
-              <a:defRPr sz="4800"/>
+              <a:defRPr sz="6750"/>
             </a:lvl1pPr>
           </a:lstStyle>
           <a:p>
@@ -896,8 +897,8 @@
         </p:nvSpPr>
         <p:spPr>
           <a:xfrm>
-            <a:off x="499110" y="4283500"/>
-            <a:ext cx="6309360" cy="1400175"/>
+            <a:off x="935831" y="5507356"/>
+            <a:ext cx="11830050" cy="1800224"/>
           </a:xfrm>
         </p:spPr>
         <p:txBody>
@@ -905,15 +906,17 @@
           <a:lstStyle>
             <a:lvl1pPr marL="0" indent="0">
               <a:buNone/>
-              <a:defRPr sz="1920">
+              <a:defRPr sz="2700">
                 <a:solidFill>
-                  <a:schemeClr val="tx1"/>
+                  <a:schemeClr val="tx1">
+                    <a:tint val="75000"/>
+                  </a:schemeClr>
                 </a:solidFill>
               </a:defRPr>
             </a:lvl1pPr>
-            <a:lvl2pPr marL="365760" indent="0">
-              <a:buNone/>
-              <a:defRPr sz="1600">
+            <a:lvl2pPr marL="514350" indent="0">
+              <a:buNone/>
+              <a:defRPr sz="2250">
                 <a:solidFill>
                   <a:schemeClr val="tx1">
                     <a:tint val="75000"/>
@@ -921,9 +924,9 @@
                 </a:solidFill>
               </a:defRPr>
             </a:lvl2pPr>
-            <a:lvl3pPr marL="731520" indent="0">
-              <a:buNone/>
-              <a:defRPr sz="1440">
+            <a:lvl3pPr marL="1028700" indent="0">
+              <a:buNone/>
+              <a:defRPr sz="2025">
                 <a:solidFill>
                   <a:schemeClr val="tx1">
                     <a:tint val="75000"/>
@@ -931,9 +934,9 @@
                 </a:solidFill>
               </a:defRPr>
             </a:lvl3pPr>
-            <a:lvl4pPr marL="1097280" indent="0">
-              <a:buNone/>
-              <a:defRPr sz="1280">
+            <a:lvl4pPr marL="1543050" indent="0">
+              <a:buNone/>
+              <a:defRPr sz="1800">
                 <a:solidFill>
                   <a:schemeClr val="tx1">
                     <a:tint val="75000"/>
@@ -941,9 +944,9 @@
                 </a:solidFill>
               </a:defRPr>
             </a:lvl4pPr>
-            <a:lvl5pPr marL="1463040" indent="0">
-              <a:buNone/>
-              <a:defRPr sz="1280">
+            <a:lvl5pPr marL="2057400" indent="0">
+              <a:buNone/>
+              <a:defRPr sz="1800">
                 <a:solidFill>
                   <a:schemeClr val="tx1">
                     <a:tint val="75000"/>
@@ -951,9 +954,9 @@
                 </a:solidFill>
               </a:defRPr>
             </a:lvl5pPr>
-            <a:lvl6pPr marL="1828800" indent="0">
-              <a:buNone/>
-              <a:defRPr sz="1280">
+            <a:lvl6pPr marL="2571750" indent="0">
+              <a:buNone/>
+              <a:defRPr sz="1800">
                 <a:solidFill>
                   <a:schemeClr val="tx1">
                     <a:tint val="75000"/>
@@ -961,9 +964,9 @@
                 </a:solidFill>
               </a:defRPr>
             </a:lvl6pPr>
-            <a:lvl7pPr marL="2194560" indent="0">
-              <a:buNone/>
-              <a:defRPr sz="1280">
+            <a:lvl7pPr marL="3086100" indent="0">
+              <a:buNone/>
+              <a:defRPr sz="1800">
                 <a:solidFill>
                   <a:schemeClr val="tx1">
                     <a:tint val="75000"/>
@@ -971,9 +974,9 @@
                 </a:solidFill>
               </a:defRPr>
             </a:lvl7pPr>
-            <a:lvl8pPr marL="2560320" indent="0">
-              <a:buNone/>
-              <a:defRPr sz="1280">
+            <a:lvl8pPr marL="3600450" indent="0">
+              <a:buNone/>
+              <a:defRPr sz="1800">
                 <a:solidFill>
                   <a:schemeClr val="tx1">
                     <a:tint val="75000"/>
@@ -981,9 +984,9 @@
                 </a:solidFill>
               </a:defRPr>
             </a:lvl8pPr>
-            <a:lvl9pPr marL="2926080" indent="0">
-              <a:buNone/>
-              <a:defRPr sz="1280">
+            <a:lvl9pPr marL="4114800" indent="0">
+              <a:buNone/>
+              <a:defRPr sz="1800">
                 <a:solidFill>
                   <a:schemeClr val="tx1">
                     <a:tint val="75000"/>
@@ -1018,7 +1021,7 @@
           <a:p>
             <a:fld id="{E8D6329F-4215-7B41-9D18-10543C83A50F}" type="datetimeFigureOut">
               <a:rPr lang="en-US" smtClean="0"/>
-              <a:t>11/19/22</a:t>
+              <a:t>11/22/22</a:t>
             </a:fld>
             <a:endParaRPr lang="en-US"/>
           </a:p>
@@ -1069,7 +1072,7 @@
     </p:spTree>
     <p:extLst>
       <p:ext uri="{BB962C8B-B14F-4D97-AF65-F5344CB8AC3E}">
-        <p14:creationId xmlns:p14="http://schemas.microsoft.com/office/powerpoint/2010/main" val="1201602401"/>
+        <p14:creationId xmlns:p14="http://schemas.microsoft.com/office/powerpoint/2010/main" val="778751263"/>
       </p:ext>
     </p:extLst>
   </p:cSld>
@@ -1131,8 +1134,8 @@
         </p:nvSpPr>
         <p:spPr>
           <a:xfrm>
-            <a:off x="502920" y="1703917"/>
-            <a:ext cx="3108960" cy="4061249"/>
+            <a:off x="942975" y="2190750"/>
+            <a:ext cx="5829300" cy="5221606"/>
           </a:xfrm>
         </p:spPr>
         <p:txBody>
@@ -1188,8 +1191,8 @@
         </p:nvSpPr>
         <p:spPr>
           <a:xfrm>
-            <a:off x="3703320" y="1703917"/>
-            <a:ext cx="3108960" cy="4061249"/>
+            <a:off x="6943725" y="2190750"/>
+            <a:ext cx="5829300" cy="5221606"/>
           </a:xfrm>
         </p:spPr>
         <p:txBody>
@@ -1250,7 +1253,7 @@
           <a:p>
             <a:fld id="{E8D6329F-4215-7B41-9D18-10543C83A50F}" type="datetimeFigureOut">
               <a:rPr lang="en-US" smtClean="0"/>
-              <a:t>11/19/22</a:t>
+              <a:t>11/22/22</a:t>
             </a:fld>
             <a:endParaRPr lang="en-US"/>
           </a:p>
@@ -1301,7 +1304,7 @@
     </p:spTree>
     <p:extLst>
       <p:ext uri="{BB962C8B-B14F-4D97-AF65-F5344CB8AC3E}">
-        <p14:creationId xmlns:p14="http://schemas.microsoft.com/office/powerpoint/2010/main" val="4027864630"/>
+        <p14:creationId xmlns:p14="http://schemas.microsoft.com/office/powerpoint/2010/main" val="4250547298"/>
       </p:ext>
     </p:extLst>
   </p:cSld>
@@ -1340,8 +1343,8 @@
         </p:nvSpPr>
         <p:spPr>
           <a:xfrm>
-            <a:off x="503873" y="340785"/>
-            <a:ext cx="6309360" cy="1237192"/>
+            <a:off x="944762" y="438150"/>
+            <a:ext cx="11830050" cy="1590676"/>
           </a:xfrm>
         </p:spPr>
         <p:txBody>
@@ -1368,8 +1371,8 @@
         </p:nvSpPr>
         <p:spPr>
           <a:xfrm>
-            <a:off x="503874" y="1569085"/>
-            <a:ext cx="3094672" cy="768985"/>
+            <a:off x="944762" y="2017396"/>
+            <a:ext cx="5802510" cy="988694"/>
           </a:xfrm>
         </p:spPr>
         <p:txBody>
@@ -1377,39 +1380,39 @@
           <a:lstStyle>
             <a:lvl1pPr marL="0" indent="0">
               <a:buNone/>
-              <a:defRPr sz="1920" b="1"/>
+              <a:defRPr sz="2700" b="1"/>
             </a:lvl1pPr>
-            <a:lvl2pPr marL="365760" indent="0">
-              <a:buNone/>
-              <a:defRPr sz="1600" b="1"/>
+            <a:lvl2pPr marL="514350" indent="0">
+              <a:buNone/>
+              <a:defRPr sz="2250" b="1"/>
             </a:lvl2pPr>
-            <a:lvl3pPr marL="731520" indent="0">
-              <a:buNone/>
-              <a:defRPr sz="1440" b="1"/>
+            <a:lvl3pPr marL="1028700" indent="0">
+              <a:buNone/>
+              <a:defRPr sz="2025" b="1"/>
             </a:lvl3pPr>
-            <a:lvl4pPr marL="1097280" indent="0">
-              <a:buNone/>
-              <a:defRPr sz="1280" b="1"/>
+            <a:lvl4pPr marL="1543050" indent="0">
+              <a:buNone/>
+              <a:defRPr sz="1800" b="1"/>
             </a:lvl4pPr>
-            <a:lvl5pPr marL="1463040" indent="0">
-              <a:buNone/>
-              <a:defRPr sz="1280" b="1"/>
+            <a:lvl5pPr marL="2057400" indent="0">
+              <a:buNone/>
+              <a:defRPr sz="1800" b="1"/>
             </a:lvl5pPr>
-            <a:lvl6pPr marL="1828800" indent="0">
-              <a:buNone/>
-              <a:defRPr sz="1280" b="1"/>
+            <a:lvl6pPr marL="2571750" indent="0">
+              <a:buNone/>
+              <a:defRPr sz="1800" b="1"/>
             </a:lvl6pPr>
-            <a:lvl7pPr marL="2194560" indent="0">
-              <a:buNone/>
-              <a:defRPr sz="1280" b="1"/>
+            <a:lvl7pPr marL="3086100" indent="0">
+              <a:buNone/>
+              <a:defRPr sz="1800" b="1"/>
             </a:lvl7pPr>
-            <a:lvl8pPr marL="2560320" indent="0">
-              <a:buNone/>
-              <a:defRPr sz="1280" b="1"/>
+            <a:lvl8pPr marL="3600450" indent="0">
+              <a:buNone/>
+              <a:defRPr sz="1800" b="1"/>
             </a:lvl8pPr>
-            <a:lvl9pPr marL="2926080" indent="0">
-              <a:buNone/>
-              <a:defRPr sz="1280" b="1"/>
+            <a:lvl9pPr marL="4114800" indent="0">
+              <a:buNone/>
+              <a:defRPr sz="1800" b="1"/>
             </a:lvl9pPr>
           </a:lstStyle>
           <a:p>
@@ -1433,8 +1436,8 @@
         </p:nvSpPr>
         <p:spPr>
           <a:xfrm>
-            <a:off x="503874" y="2338070"/>
-            <a:ext cx="3094672" cy="3438949"/>
+            <a:off x="944762" y="3006090"/>
+            <a:ext cx="5802510" cy="4421506"/>
           </a:xfrm>
         </p:spPr>
         <p:txBody>
@@ -1490,8 +1493,8 @@
         </p:nvSpPr>
         <p:spPr>
           <a:xfrm>
-            <a:off x="3703320" y="1569085"/>
-            <a:ext cx="3109913" cy="768985"/>
+            <a:off x="6943725" y="2017396"/>
+            <a:ext cx="5831087" cy="988694"/>
           </a:xfrm>
         </p:spPr>
         <p:txBody>
@@ -1499,39 +1502,39 @@
           <a:lstStyle>
             <a:lvl1pPr marL="0" indent="0">
               <a:buNone/>
-              <a:defRPr sz="1920" b="1"/>
+              <a:defRPr sz="2700" b="1"/>
             </a:lvl1pPr>
-            <a:lvl2pPr marL="365760" indent="0">
-              <a:buNone/>
-              <a:defRPr sz="1600" b="1"/>
+            <a:lvl2pPr marL="514350" indent="0">
+              <a:buNone/>
+              <a:defRPr sz="2250" b="1"/>
             </a:lvl2pPr>
-            <a:lvl3pPr marL="731520" indent="0">
-              <a:buNone/>
-              <a:defRPr sz="1440" b="1"/>
+            <a:lvl3pPr marL="1028700" indent="0">
+              <a:buNone/>
+              <a:defRPr sz="2025" b="1"/>
             </a:lvl3pPr>
-            <a:lvl4pPr marL="1097280" indent="0">
-              <a:buNone/>
-              <a:defRPr sz="1280" b="1"/>
+            <a:lvl4pPr marL="1543050" indent="0">
+              <a:buNone/>
+              <a:defRPr sz="1800" b="1"/>
             </a:lvl4pPr>
-            <a:lvl5pPr marL="1463040" indent="0">
-              <a:buNone/>
-              <a:defRPr sz="1280" b="1"/>
+            <a:lvl5pPr marL="2057400" indent="0">
+              <a:buNone/>
+              <a:defRPr sz="1800" b="1"/>
             </a:lvl5pPr>
-            <a:lvl6pPr marL="1828800" indent="0">
-              <a:buNone/>
-              <a:defRPr sz="1280" b="1"/>
+            <a:lvl6pPr marL="2571750" indent="0">
+              <a:buNone/>
+              <a:defRPr sz="1800" b="1"/>
             </a:lvl6pPr>
-            <a:lvl7pPr marL="2194560" indent="0">
-              <a:buNone/>
-              <a:defRPr sz="1280" b="1"/>
+            <a:lvl7pPr marL="3086100" indent="0">
+              <a:buNone/>
+              <a:defRPr sz="1800" b="1"/>
             </a:lvl7pPr>
-            <a:lvl8pPr marL="2560320" indent="0">
-              <a:buNone/>
-              <a:defRPr sz="1280" b="1"/>
+            <a:lvl8pPr marL="3600450" indent="0">
+              <a:buNone/>
+              <a:defRPr sz="1800" b="1"/>
             </a:lvl8pPr>
-            <a:lvl9pPr marL="2926080" indent="0">
-              <a:buNone/>
-              <a:defRPr sz="1280" b="1"/>
+            <a:lvl9pPr marL="4114800" indent="0">
+              <a:buNone/>
+              <a:defRPr sz="1800" b="1"/>
             </a:lvl9pPr>
           </a:lstStyle>
           <a:p>
@@ -1555,8 +1558,8 @@
         </p:nvSpPr>
         <p:spPr>
           <a:xfrm>
-            <a:off x="3703320" y="2338070"/>
-            <a:ext cx="3109913" cy="3438949"/>
+            <a:off x="6943725" y="3006090"/>
+            <a:ext cx="5831087" cy="4421506"/>
           </a:xfrm>
         </p:spPr>
         <p:txBody>
@@ -1617,7 +1620,7 @@
           <a:p>
             <a:fld id="{E8D6329F-4215-7B41-9D18-10543C83A50F}" type="datetimeFigureOut">
               <a:rPr lang="en-US" smtClean="0"/>
-              <a:t>11/19/22</a:t>
+              <a:t>11/22/22</a:t>
             </a:fld>
             <a:endParaRPr lang="en-US"/>
           </a:p>
@@ -1668,7 +1671,7 @@
     </p:spTree>
     <p:extLst>
       <p:ext uri="{BB962C8B-B14F-4D97-AF65-F5344CB8AC3E}">
-        <p14:creationId xmlns:p14="http://schemas.microsoft.com/office/powerpoint/2010/main" val="1213235634"/>
+        <p14:creationId xmlns:p14="http://schemas.microsoft.com/office/powerpoint/2010/main" val="568178364"/>
       </p:ext>
     </p:extLst>
   </p:cSld>
@@ -1735,7 +1738,7 @@
           <a:p>
             <a:fld id="{E8D6329F-4215-7B41-9D18-10543C83A50F}" type="datetimeFigureOut">
               <a:rPr lang="en-US" smtClean="0"/>
-              <a:t>11/19/22</a:t>
+              <a:t>11/22/22</a:t>
             </a:fld>
             <a:endParaRPr lang="en-US"/>
           </a:p>
@@ -1786,7 +1789,7 @@
     </p:spTree>
     <p:extLst>
       <p:ext uri="{BB962C8B-B14F-4D97-AF65-F5344CB8AC3E}">
-        <p14:creationId xmlns:p14="http://schemas.microsoft.com/office/powerpoint/2010/main" val="1874142876"/>
+        <p14:creationId xmlns:p14="http://schemas.microsoft.com/office/powerpoint/2010/main" val="999675652"/>
       </p:ext>
     </p:extLst>
   </p:cSld>
@@ -1830,7 +1833,7 @@
           <a:p>
             <a:fld id="{E8D6329F-4215-7B41-9D18-10543C83A50F}" type="datetimeFigureOut">
               <a:rPr lang="en-US" smtClean="0"/>
-              <a:t>11/19/22</a:t>
+              <a:t>11/22/22</a:t>
             </a:fld>
             <a:endParaRPr lang="en-US"/>
           </a:p>
@@ -1881,7 +1884,7 @@
     </p:spTree>
     <p:extLst>
       <p:ext uri="{BB962C8B-B14F-4D97-AF65-F5344CB8AC3E}">
-        <p14:creationId xmlns:p14="http://schemas.microsoft.com/office/powerpoint/2010/main" val="1389390880"/>
+        <p14:creationId xmlns:p14="http://schemas.microsoft.com/office/powerpoint/2010/main" val="1978687977"/>
       </p:ext>
     </p:extLst>
   </p:cSld>
@@ -1920,15 +1923,15 @@
         </p:nvSpPr>
         <p:spPr>
           <a:xfrm>
-            <a:off x="503873" y="426720"/>
-            <a:ext cx="2359342" cy="1493520"/>
+            <a:off x="944762" y="548640"/>
+            <a:ext cx="4423767" cy="1920240"/>
           </a:xfrm>
         </p:spPr>
         <p:txBody>
           <a:bodyPr anchor="b"/>
           <a:lstStyle>
             <a:lvl1pPr>
-              <a:defRPr sz="2560"/>
+              <a:defRPr sz="3600"/>
             </a:lvl1pPr>
           </a:lstStyle>
           <a:p>
@@ -1952,39 +1955,39 @@
         </p:nvSpPr>
         <p:spPr>
           <a:xfrm>
-            <a:off x="3109913" y="921598"/>
-            <a:ext cx="3703320" cy="4548717"/>
+            <a:off x="5831087" y="1184911"/>
+            <a:ext cx="6943725" cy="5848350"/>
           </a:xfrm>
         </p:spPr>
         <p:txBody>
           <a:bodyPr/>
           <a:lstStyle>
             <a:lvl1pPr>
-              <a:defRPr sz="2560"/>
+              <a:defRPr sz="3600"/>
             </a:lvl1pPr>
             <a:lvl2pPr>
-              <a:defRPr sz="2240"/>
+              <a:defRPr sz="3150"/>
             </a:lvl2pPr>
             <a:lvl3pPr>
-              <a:defRPr sz="1920"/>
+              <a:defRPr sz="2700"/>
             </a:lvl3pPr>
             <a:lvl4pPr>
-              <a:defRPr sz="1600"/>
+              <a:defRPr sz="2250"/>
             </a:lvl4pPr>
             <a:lvl5pPr>
-              <a:defRPr sz="1600"/>
+              <a:defRPr sz="2250"/>
             </a:lvl5pPr>
             <a:lvl6pPr>
-              <a:defRPr sz="1600"/>
+              <a:defRPr sz="2250"/>
             </a:lvl6pPr>
             <a:lvl7pPr>
-              <a:defRPr sz="1600"/>
+              <a:defRPr sz="2250"/>
             </a:lvl7pPr>
             <a:lvl8pPr>
-              <a:defRPr sz="1600"/>
+              <a:defRPr sz="2250"/>
             </a:lvl8pPr>
             <a:lvl9pPr>
-              <a:defRPr sz="1600"/>
+              <a:defRPr sz="2250"/>
             </a:lvl9pPr>
           </a:lstStyle>
           <a:p>
@@ -2037,8 +2040,8 @@
         </p:nvSpPr>
         <p:spPr>
           <a:xfrm>
-            <a:off x="503873" y="1920240"/>
-            <a:ext cx="2359342" cy="3557482"/>
+            <a:off x="944762" y="2468880"/>
+            <a:ext cx="4423767" cy="4573906"/>
           </a:xfrm>
         </p:spPr>
         <p:txBody>
@@ -2046,39 +2049,39 @@
           <a:lstStyle>
             <a:lvl1pPr marL="0" indent="0">
               <a:buNone/>
-              <a:defRPr sz="1280"/>
+              <a:defRPr sz="1800"/>
             </a:lvl1pPr>
-            <a:lvl2pPr marL="365760" indent="0">
-              <a:buNone/>
-              <a:defRPr sz="1120"/>
+            <a:lvl2pPr marL="514350" indent="0">
+              <a:buNone/>
+              <a:defRPr sz="1575"/>
             </a:lvl2pPr>
-            <a:lvl3pPr marL="731520" indent="0">
-              <a:buNone/>
-              <a:defRPr sz="960"/>
+            <a:lvl3pPr marL="1028700" indent="0">
+              <a:buNone/>
+              <a:defRPr sz="1350"/>
             </a:lvl3pPr>
-            <a:lvl4pPr marL="1097280" indent="0">
-              <a:buNone/>
-              <a:defRPr sz="800"/>
+            <a:lvl4pPr marL="1543050" indent="0">
+              <a:buNone/>
+              <a:defRPr sz="1125"/>
             </a:lvl4pPr>
-            <a:lvl5pPr marL="1463040" indent="0">
-              <a:buNone/>
-              <a:defRPr sz="800"/>
+            <a:lvl5pPr marL="2057400" indent="0">
+              <a:buNone/>
+              <a:defRPr sz="1125"/>
             </a:lvl5pPr>
-            <a:lvl6pPr marL="1828800" indent="0">
-              <a:buNone/>
-              <a:defRPr sz="800"/>
+            <a:lvl6pPr marL="2571750" indent="0">
+              <a:buNone/>
+              <a:defRPr sz="1125"/>
             </a:lvl6pPr>
-            <a:lvl7pPr marL="2194560" indent="0">
-              <a:buNone/>
-              <a:defRPr sz="800"/>
+            <a:lvl7pPr marL="3086100" indent="0">
+              <a:buNone/>
+              <a:defRPr sz="1125"/>
             </a:lvl7pPr>
-            <a:lvl8pPr marL="2560320" indent="0">
-              <a:buNone/>
-              <a:defRPr sz="800"/>
+            <a:lvl8pPr marL="3600450" indent="0">
+              <a:buNone/>
+              <a:defRPr sz="1125"/>
             </a:lvl8pPr>
-            <a:lvl9pPr marL="2926080" indent="0">
-              <a:buNone/>
-              <a:defRPr sz="800"/>
+            <a:lvl9pPr marL="4114800" indent="0">
+              <a:buNone/>
+              <a:defRPr sz="1125"/>
             </a:lvl9pPr>
           </a:lstStyle>
           <a:p>
@@ -2107,7 +2110,7 @@
           <a:p>
             <a:fld id="{E8D6329F-4215-7B41-9D18-10543C83A50F}" type="datetimeFigureOut">
               <a:rPr lang="en-US" smtClean="0"/>
-              <a:t>11/19/22</a:t>
+              <a:t>11/22/22</a:t>
             </a:fld>
             <a:endParaRPr lang="en-US"/>
           </a:p>
@@ -2158,7 +2161,7 @@
     </p:spTree>
     <p:extLst>
       <p:ext uri="{BB962C8B-B14F-4D97-AF65-F5344CB8AC3E}">
-        <p14:creationId xmlns:p14="http://schemas.microsoft.com/office/powerpoint/2010/main" val="2544252239"/>
+        <p14:creationId xmlns:p14="http://schemas.microsoft.com/office/powerpoint/2010/main" val="2765447813"/>
       </p:ext>
     </p:extLst>
   </p:cSld>
@@ -2197,15 +2200,15 @@
         </p:nvSpPr>
         <p:spPr>
           <a:xfrm>
-            <a:off x="503873" y="426720"/>
-            <a:ext cx="2359342" cy="1493520"/>
+            <a:off x="944762" y="548640"/>
+            <a:ext cx="4423767" cy="1920240"/>
           </a:xfrm>
         </p:spPr>
         <p:txBody>
           <a:bodyPr anchor="b"/>
           <a:lstStyle>
             <a:lvl1pPr>
-              <a:defRPr sz="2560"/>
+              <a:defRPr sz="3600"/>
             </a:lvl1pPr>
           </a:lstStyle>
           <a:p>
@@ -2229,8 +2232,8 @@
         </p:nvSpPr>
         <p:spPr>
           <a:xfrm>
-            <a:off x="3109913" y="921598"/>
-            <a:ext cx="3703320" cy="4548717"/>
+            <a:off x="5831087" y="1184911"/>
+            <a:ext cx="6943725" cy="5848350"/>
           </a:xfrm>
         </p:spPr>
         <p:txBody>
@@ -2238,39 +2241,39 @@
           <a:lstStyle>
             <a:lvl1pPr marL="0" indent="0">
               <a:buNone/>
-              <a:defRPr sz="2560"/>
+              <a:defRPr sz="3600"/>
             </a:lvl1pPr>
-            <a:lvl2pPr marL="365760" indent="0">
-              <a:buNone/>
-              <a:defRPr sz="2240"/>
+            <a:lvl2pPr marL="514350" indent="0">
+              <a:buNone/>
+              <a:defRPr sz="3150"/>
             </a:lvl2pPr>
-            <a:lvl3pPr marL="731520" indent="0">
-              <a:buNone/>
-              <a:defRPr sz="1920"/>
+            <a:lvl3pPr marL="1028700" indent="0">
+              <a:buNone/>
+              <a:defRPr sz="2700"/>
             </a:lvl3pPr>
-            <a:lvl4pPr marL="1097280" indent="0">
-              <a:buNone/>
-              <a:defRPr sz="1600"/>
+            <a:lvl4pPr marL="1543050" indent="0">
+              <a:buNone/>
+              <a:defRPr sz="2250"/>
             </a:lvl4pPr>
-            <a:lvl5pPr marL="1463040" indent="0">
-              <a:buNone/>
-              <a:defRPr sz="1600"/>
+            <a:lvl5pPr marL="2057400" indent="0">
+              <a:buNone/>
+              <a:defRPr sz="2250"/>
             </a:lvl5pPr>
-            <a:lvl6pPr marL="1828800" indent="0">
-              <a:buNone/>
-              <a:defRPr sz="1600"/>
+            <a:lvl6pPr marL="2571750" indent="0">
+              <a:buNone/>
+              <a:defRPr sz="2250"/>
             </a:lvl6pPr>
-            <a:lvl7pPr marL="2194560" indent="0">
-              <a:buNone/>
-              <a:defRPr sz="1600"/>
+            <a:lvl7pPr marL="3086100" indent="0">
+              <a:buNone/>
+              <a:defRPr sz="2250"/>
             </a:lvl7pPr>
-            <a:lvl8pPr marL="2560320" indent="0">
-              <a:buNone/>
-              <a:defRPr sz="1600"/>
+            <a:lvl8pPr marL="3600450" indent="0">
+              <a:buNone/>
+              <a:defRPr sz="2250"/>
             </a:lvl8pPr>
-            <a:lvl9pPr marL="2926080" indent="0">
-              <a:buNone/>
-              <a:defRPr sz="1600"/>
+            <a:lvl9pPr marL="4114800" indent="0">
+              <a:buNone/>
+              <a:defRPr sz="2250"/>
             </a:lvl9pPr>
           </a:lstStyle>
           <a:p>
@@ -2294,8 +2297,8 @@
         </p:nvSpPr>
         <p:spPr>
           <a:xfrm>
-            <a:off x="503873" y="1920240"/>
-            <a:ext cx="2359342" cy="3557482"/>
+            <a:off x="944762" y="2468880"/>
+            <a:ext cx="4423767" cy="4573906"/>
           </a:xfrm>
         </p:spPr>
         <p:txBody>
@@ -2303,39 +2306,39 @@
           <a:lstStyle>
             <a:lvl1pPr marL="0" indent="0">
               <a:buNone/>
-              <a:defRPr sz="1280"/>
+              <a:defRPr sz="1800"/>
             </a:lvl1pPr>
-            <a:lvl2pPr marL="365760" indent="0">
-              <a:buNone/>
-              <a:defRPr sz="1120"/>
+            <a:lvl2pPr marL="514350" indent="0">
+              <a:buNone/>
+              <a:defRPr sz="1575"/>
             </a:lvl2pPr>
-            <a:lvl3pPr marL="731520" indent="0">
-              <a:buNone/>
-              <a:defRPr sz="960"/>
+            <a:lvl3pPr marL="1028700" indent="0">
+              <a:buNone/>
+              <a:defRPr sz="1350"/>
             </a:lvl3pPr>
-            <a:lvl4pPr marL="1097280" indent="0">
-              <a:buNone/>
-              <a:defRPr sz="800"/>
+            <a:lvl4pPr marL="1543050" indent="0">
+              <a:buNone/>
+              <a:defRPr sz="1125"/>
             </a:lvl4pPr>
-            <a:lvl5pPr marL="1463040" indent="0">
-              <a:buNone/>
-              <a:defRPr sz="800"/>
+            <a:lvl5pPr marL="2057400" indent="0">
+              <a:buNone/>
+              <a:defRPr sz="1125"/>
             </a:lvl5pPr>
-            <a:lvl6pPr marL="1828800" indent="0">
-              <a:buNone/>
-              <a:defRPr sz="800"/>
+            <a:lvl6pPr marL="2571750" indent="0">
+              <a:buNone/>
+              <a:defRPr sz="1125"/>
             </a:lvl6pPr>
-            <a:lvl7pPr marL="2194560" indent="0">
-              <a:buNone/>
-              <a:defRPr sz="800"/>
+            <a:lvl7pPr marL="3086100" indent="0">
+              <a:buNone/>
+              <a:defRPr sz="1125"/>
             </a:lvl7pPr>
-            <a:lvl8pPr marL="2560320" indent="0">
-              <a:buNone/>
-              <a:defRPr sz="800"/>
+            <a:lvl8pPr marL="3600450" indent="0">
+              <a:buNone/>
+              <a:defRPr sz="1125"/>
             </a:lvl8pPr>
-            <a:lvl9pPr marL="2926080" indent="0">
-              <a:buNone/>
-              <a:defRPr sz="800"/>
+            <a:lvl9pPr marL="4114800" indent="0">
+              <a:buNone/>
+              <a:defRPr sz="1125"/>
             </a:lvl9pPr>
           </a:lstStyle>
           <a:p>
@@ -2364,7 +2367,7 @@
           <a:p>
             <a:fld id="{E8D6329F-4215-7B41-9D18-10543C83A50F}" type="datetimeFigureOut">
               <a:rPr lang="en-US" smtClean="0"/>
-              <a:t>11/19/22</a:t>
+              <a:t>11/22/22</a:t>
             </a:fld>
             <a:endParaRPr lang="en-US"/>
           </a:p>
@@ -2415,7 +2418,7 @@
     </p:spTree>
     <p:extLst>
       <p:ext uri="{BB962C8B-B14F-4D97-AF65-F5344CB8AC3E}">
-        <p14:creationId xmlns:p14="http://schemas.microsoft.com/office/powerpoint/2010/main" val="71125601"/>
+        <p14:creationId xmlns:p14="http://schemas.microsoft.com/office/powerpoint/2010/main" val="1462717052"/>
       </p:ext>
     </p:extLst>
   </p:cSld>
@@ -2459,8 +2462,8 @@
         </p:nvSpPr>
         <p:spPr>
           <a:xfrm>
-            <a:off x="502920" y="340785"/>
-            <a:ext cx="6309360" cy="1237192"/>
+            <a:off x="942975" y="438150"/>
+            <a:ext cx="11830050" cy="1590676"/>
           </a:xfrm>
           <a:prstGeom prst="rect">
             <a:avLst/>
@@ -2492,8 +2495,8 @@
         </p:nvSpPr>
         <p:spPr>
           <a:xfrm>
-            <a:off x="502920" y="1703917"/>
-            <a:ext cx="6309360" cy="4061249"/>
+            <a:off x="942975" y="2190750"/>
+            <a:ext cx="11830050" cy="5221606"/>
           </a:xfrm>
           <a:prstGeom prst="rect">
             <a:avLst/>
@@ -2554,8 +2557,8 @@
         </p:nvSpPr>
         <p:spPr>
           <a:xfrm>
-            <a:off x="502920" y="5932595"/>
-            <a:ext cx="1645920" cy="340783"/>
+            <a:off x="942975" y="7627621"/>
+            <a:ext cx="3086100" cy="438150"/>
           </a:xfrm>
           <a:prstGeom prst="rect">
             <a:avLst/>
@@ -2565,7 +2568,7 @@
           <a:bodyPr vert="horz" lIns="91440" tIns="45720" rIns="91440" bIns="45720" rtlCol="0" anchor="ctr"/>
           <a:lstStyle>
             <a:lvl1pPr algn="l">
-              <a:defRPr sz="960">
+              <a:defRPr sz="1350">
                 <a:solidFill>
                   <a:schemeClr val="tx1">
                     <a:tint val="75000"/>
@@ -2577,7 +2580,7 @@
           <a:p>
             <a:fld id="{E8D6329F-4215-7B41-9D18-10543C83A50F}" type="datetimeFigureOut">
               <a:rPr lang="en-US" smtClean="0"/>
-              <a:t>11/19/22</a:t>
+              <a:t>11/22/22</a:t>
             </a:fld>
             <a:endParaRPr lang="en-US"/>
           </a:p>
@@ -2595,8 +2598,8 @@
         </p:nvSpPr>
         <p:spPr>
           <a:xfrm>
-            <a:off x="2423160" y="5932595"/>
-            <a:ext cx="2468880" cy="340783"/>
+            <a:off x="4543425" y="7627621"/>
+            <a:ext cx="4629150" cy="438150"/>
           </a:xfrm>
           <a:prstGeom prst="rect">
             <a:avLst/>
@@ -2606,7 +2609,7 @@
           <a:bodyPr vert="horz" lIns="91440" tIns="45720" rIns="91440" bIns="45720" rtlCol="0" anchor="ctr"/>
           <a:lstStyle>
             <a:lvl1pPr algn="ctr">
-              <a:defRPr sz="960">
+              <a:defRPr sz="1350">
                 <a:solidFill>
                   <a:schemeClr val="tx1">
                     <a:tint val="75000"/>
@@ -2632,8 +2635,8 @@
         </p:nvSpPr>
         <p:spPr>
           <a:xfrm>
-            <a:off x="5166360" y="5932595"/>
-            <a:ext cx="1645920" cy="340783"/>
+            <a:off x="9686925" y="7627621"/>
+            <a:ext cx="3086100" cy="438150"/>
           </a:xfrm>
           <a:prstGeom prst="rect">
             <a:avLst/>
@@ -2643,7 +2646,7 @@
           <a:bodyPr vert="horz" lIns="91440" tIns="45720" rIns="91440" bIns="45720" rtlCol="0" anchor="ctr"/>
           <a:lstStyle>
             <a:lvl1pPr algn="r">
-              <a:defRPr sz="960">
+              <a:defRPr sz="1350">
                 <a:solidFill>
                   <a:schemeClr val="tx1">
                     <a:tint val="75000"/>
@@ -2664,27 +2667,27 @@
     </p:spTree>
     <p:extLst>
       <p:ext uri="{BB962C8B-B14F-4D97-AF65-F5344CB8AC3E}">
-        <p14:creationId xmlns:p14="http://schemas.microsoft.com/office/powerpoint/2010/main" val="1300626405"/>
+        <p14:creationId xmlns:p14="http://schemas.microsoft.com/office/powerpoint/2010/main" val="3842544846"/>
       </p:ext>
     </p:extLst>
   </p:cSld>
   <p:clrMap bg1="lt1" tx1="dk1" bg2="lt2" tx2="dk2" accent1="accent1" accent2="accent2" accent3="accent3" accent4="accent4" accent5="accent5" accent6="accent6" hlink="hlink" folHlink="folHlink"/>
   <p:sldLayoutIdLst>
-    <p:sldLayoutId id="2147483661" r:id="rId1"/>
-    <p:sldLayoutId id="2147483662" r:id="rId2"/>
-    <p:sldLayoutId id="2147483663" r:id="rId3"/>
-    <p:sldLayoutId id="2147483664" r:id="rId4"/>
-    <p:sldLayoutId id="2147483665" r:id="rId5"/>
-    <p:sldLayoutId id="2147483666" r:id="rId6"/>
-    <p:sldLayoutId id="2147483667" r:id="rId7"/>
-    <p:sldLayoutId id="2147483668" r:id="rId8"/>
-    <p:sldLayoutId id="2147483669" r:id="rId9"/>
-    <p:sldLayoutId id="2147483670" r:id="rId10"/>
-    <p:sldLayoutId id="2147483671" r:id="rId11"/>
+    <p:sldLayoutId id="2147483685" r:id="rId1"/>
+    <p:sldLayoutId id="2147483686" r:id="rId2"/>
+    <p:sldLayoutId id="2147483687" r:id="rId3"/>
+    <p:sldLayoutId id="2147483688" r:id="rId4"/>
+    <p:sldLayoutId id="2147483689" r:id="rId5"/>
+    <p:sldLayoutId id="2147483690" r:id="rId6"/>
+    <p:sldLayoutId id="2147483691" r:id="rId7"/>
+    <p:sldLayoutId id="2147483692" r:id="rId8"/>
+    <p:sldLayoutId id="2147483693" r:id="rId9"/>
+    <p:sldLayoutId id="2147483694" r:id="rId10"/>
+    <p:sldLayoutId id="2147483695" r:id="rId11"/>
   </p:sldLayoutIdLst>
   <p:txStyles>
     <p:titleStyle>
-      <a:lvl1pPr algn="l" defTabSz="731520" rtl="0" eaLnBrk="1" latinLnBrk="0" hangingPunct="1">
+      <a:lvl1pPr algn="l" defTabSz="1028700" rtl="0" eaLnBrk="1" latinLnBrk="0" hangingPunct="1">
         <a:lnSpc>
           <a:spcPct val="90000"/>
         </a:lnSpc>
@@ -2692,7 +2695,7 @@
           <a:spcPct val="0"/>
         </a:spcBef>
         <a:buNone/>
-        <a:defRPr sz="3520" kern="1200">
+        <a:defRPr sz="4950" kern="1200">
           <a:solidFill>
             <a:schemeClr val="tx1"/>
           </a:solidFill>
@@ -2703,16 +2706,16 @@
       </a:lvl1pPr>
     </p:titleStyle>
     <p:bodyStyle>
-      <a:lvl1pPr marL="182880" indent="-182880" algn="l" defTabSz="731520" rtl="0" eaLnBrk="1" latinLnBrk="0" hangingPunct="1">
+      <a:lvl1pPr marL="257175" indent="-257175" algn="l" defTabSz="1028700" rtl="0" eaLnBrk="1" latinLnBrk="0" hangingPunct="1">
         <a:lnSpc>
           <a:spcPct val="90000"/>
         </a:lnSpc>
         <a:spcBef>
-          <a:spcPts val="800"/>
+          <a:spcPts val="1125"/>
         </a:spcBef>
         <a:buFont typeface="Arial" panose="020B0604020202020204" pitchFamily="34" charset="0"/>
         <a:buChar char="•"/>
-        <a:defRPr sz="2240" kern="1200">
+        <a:defRPr sz="3150" kern="1200">
           <a:solidFill>
             <a:schemeClr val="tx1"/>
           </a:solidFill>
@@ -2721,16 +2724,16 @@
           <a:cs typeface="+mn-cs"/>
         </a:defRPr>
       </a:lvl1pPr>
-      <a:lvl2pPr marL="548640" indent="-182880" algn="l" defTabSz="731520" rtl="0" eaLnBrk="1" latinLnBrk="0" hangingPunct="1">
+      <a:lvl2pPr marL="771525" indent="-257175" algn="l" defTabSz="1028700" rtl="0" eaLnBrk="1" latinLnBrk="0" hangingPunct="1">
         <a:lnSpc>
           <a:spcPct val="90000"/>
         </a:lnSpc>
         <a:spcBef>
-          <a:spcPts val="400"/>
+          <a:spcPts val="563"/>
         </a:spcBef>
         <a:buFont typeface="Arial" panose="020B0604020202020204" pitchFamily="34" charset="0"/>
         <a:buChar char="•"/>
-        <a:defRPr sz="1920" kern="1200">
+        <a:defRPr sz="2700" kern="1200">
           <a:solidFill>
             <a:schemeClr val="tx1"/>
           </a:solidFill>
@@ -2739,16 +2742,16 @@
           <a:cs typeface="+mn-cs"/>
         </a:defRPr>
       </a:lvl2pPr>
-      <a:lvl3pPr marL="914400" indent="-182880" algn="l" defTabSz="731520" rtl="0" eaLnBrk="1" latinLnBrk="0" hangingPunct="1">
+      <a:lvl3pPr marL="1285875" indent="-257175" algn="l" defTabSz="1028700" rtl="0" eaLnBrk="1" latinLnBrk="0" hangingPunct="1">
         <a:lnSpc>
           <a:spcPct val="90000"/>
         </a:lnSpc>
         <a:spcBef>
-          <a:spcPts val="400"/>
+          <a:spcPts val="563"/>
         </a:spcBef>
         <a:buFont typeface="Arial" panose="020B0604020202020204" pitchFamily="34" charset="0"/>
         <a:buChar char="•"/>
-        <a:defRPr sz="1600" kern="1200">
+        <a:defRPr sz="2250" kern="1200">
           <a:solidFill>
             <a:schemeClr val="tx1"/>
           </a:solidFill>
@@ -2757,16 +2760,16 @@
           <a:cs typeface="+mn-cs"/>
         </a:defRPr>
       </a:lvl3pPr>
-      <a:lvl4pPr marL="1280160" indent="-182880" algn="l" defTabSz="731520" rtl="0" eaLnBrk="1" latinLnBrk="0" hangingPunct="1">
+      <a:lvl4pPr marL="1800225" indent="-257175" algn="l" defTabSz="1028700" rtl="0" eaLnBrk="1" latinLnBrk="0" hangingPunct="1">
         <a:lnSpc>
           <a:spcPct val="90000"/>
         </a:lnSpc>
         <a:spcBef>
-          <a:spcPts val="400"/>
+          <a:spcPts val="563"/>
         </a:spcBef>
         <a:buFont typeface="Arial" panose="020B0604020202020204" pitchFamily="34" charset="0"/>
         <a:buChar char="•"/>
-        <a:defRPr sz="1440" kern="1200">
+        <a:defRPr sz="2025" kern="1200">
           <a:solidFill>
             <a:schemeClr val="tx1"/>
           </a:solidFill>
@@ -2775,16 +2778,16 @@
           <a:cs typeface="+mn-cs"/>
         </a:defRPr>
       </a:lvl4pPr>
-      <a:lvl5pPr marL="1645920" indent="-182880" algn="l" defTabSz="731520" rtl="0" eaLnBrk="1" latinLnBrk="0" hangingPunct="1">
+      <a:lvl5pPr marL="2314575" indent="-257175" algn="l" defTabSz="1028700" rtl="0" eaLnBrk="1" latinLnBrk="0" hangingPunct="1">
         <a:lnSpc>
           <a:spcPct val="90000"/>
         </a:lnSpc>
         <a:spcBef>
-          <a:spcPts val="400"/>
+          <a:spcPts val="563"/>
         </a:spcBef>
         <a:buFont typeface="Arial" panose="020B0604020202020204" pitchFamily="34" charset="0"/>
         <a:buChar char="•"/>
-        <a:defRPr sz="1440" kern="1200">
+        <a:defRPr sz="2025" kern="1200">
           <a:solidFill>
             <a:schemeClr val="tx1"/>
           </a:solidFill>
@@ -2793,16 +2796,16 @@
           <a:cs typeface="+mn-cs"/>
         </a:defRPr>
       </a:lvl5pPr>
-      <a:lvl6pPr marL="2011680" indent="-182880" algn="l" defTabSz="731520" rtl="0" eaLnBrk="1" latinLnBrk="0" hangingPunct="1">
+      <a:lvl6pPr marL="2828925" indent="-257175" algn="l" defTabSz="1028700" rtl="0" eaLnBrk="1" latinLnBrk="0" hangingPunct="1">
         <a:lnSpc>
           <a:spcPct val="90000"/>
         </a:lnSpc>
         <a:spcBef>
-          <a:spcPts val="400"/>
+          <a:spcPts val="563"/>
         </a:spcBef>
         <a:buFont typeface="Arial" panose="020B0604020202020204" pitchFamily="34" charset="0"/>
         <a:buChar char="•"/>
-        <a:defRPr sz="1440" kern="1200">
+        <a:defRPr sz="2025" kern="1200">
           <a:solidFill>
             <a:schemeClr val="tx1"/>
           </a:solidFill>
@@ -2811,16 +2814,16 @@
           <a:cs typeface="+mn-cs"/>
         </a:defRPr>
       </a:lvl6pPr>
-      <a:lvl7pPr marL="2377440" indent="-182880" algn="l" defTabSz="731520" rtl="0" eaLnBrk="1" latinLnBrk="0" hangingPunct="1">
+      <a:lvl7pPr marL="3343275" indent="-257175" algn="l" defTabSz="1028700" rtl="0" eaLnBrk="1" latinLnBrk="0" hangingPunct="1">
         <a:lnSpc>
           <a:spcPct val="90000"/>
         </a:lnSpc>
         <a:spcBef>
-          <a:spcPts val="400"/>
+          <a:spcPts val="563"/>
         </a:spcBef>
         <a:buFont typeface="Arial" panose="020B0604020202020204" pitchFamily="34" charset="0"/>
         <a:buChar char="•"/>
-        <a:defRPr sz="1440" kern="1200">
+        <a:defRPr sz="2025" kern="1200">
           <a:solidFill>
             <a:schemeClr val="tx1"/>
           </a:solidFill>
@@ -2829,16 +2832,16 @@
           <a:cs typeface="+mn-cs"/>
         </a:defRPr>
       </a:lvl7pPr>
-      <a:lvl8pPr marL="2743200" indent="-182880" algn="l" defTabSz="731520" rtl="0" eaLnBrk="1" latinLnBrk="0" hangingPunct="1">
+      <a:lvl8pPr marL="3857625" indent="-257175" algn="l" defTabSz="1028700" rtl="0" eaLnBrk="1" latinLnBrk="0" hangingPunct="1">
         <a:lnSpc>
           <a:spcPct val="90000"/>
         </a:lnSpc>
         <a:spcBef>
-          <a:spcPts val="400"/>
+          <a:spcPts val="563"/>
         </a:spcBef>
         <a:buFont typeface="Arial" panose="020B0604020202020204" pitchFamily="34" charset="0"/>
         <a:buChar char="•"/>
-        <a:defRPr sz="1440" kern="1200">
+        <a:defRPr sz="2025" kern="1200">
           <a:solidFill>
             <a:schemeClr val="tx1"/>
           </a:solidFill>
@@ -2847,16 +2850,16 @@
           <a:cs typeface="+mn-cs"/>
         </a:defRPr>
       </a:lvl8pPr>
-      <a:lvl9pPr marL="3108960" indent="-182880" algn="l" defTabSz="731520" rtl="0" eaLnBrk="1" latinLnBrk="0" hangingPunct="1">
+      <a:lvl9pPr marL="4371975" indent="-257175" algn="l" defTabSz="1028700" rtl="0" eaLnBrk="1" latinLnBrk="0" hangingPunct="1">
         <a:lnSpc>
           <a:spcPct val="90000"/>
         </a:lnSpc>
         <a:spcBef>
-          <a:spcPts val="400"/>
+          <a:spcPts val="563"/>
         </a:spcBef>
         <a:buFont typeface="Arial" panose="020B0604020202020204" pitchFamily="34" charset="0"/>
         <a:buChar char="•"/>
-        <a:defRPr sz="1440" kern="1200">
+        <a:defRPr sz="2025" kern="1200">
           <a:solidFill>
             <a:schemeClr val="tx1"/>
           </a:solidFill>
@@ -2870,8 +2873,8 @@
       <a:defPPr>
         <a:defRPr lang="en-US"/>
       </a:defPPr>
-      <a:lvl1pPr marL="0" algn="l" defTabSz="731520" rtl="0" eaLnBrk="1" latinLnBrk="0" hangingPunct="1">
-        <a:defRPr sz="1440" kern="1200">
+      <a:lvl1pPr marL="0" algn="l" defTabSz="1028700" rtl="0" eaLnBrk="1" latinLnBrk="0" hangingPunct="1">
+        <a:defRPr sz="2025" kern="1200">
           <a:solidFill>
             <a:schemeClr val="tx1"/>
           </a:solidFill>
@@ -2880,8 +2883,8 @@
           <a:cs typeface="+mn-cs"/>
         </a:defRPr>
       </a:lvl1pPr>
-      <a:lvl2pPr marL="365760" algn="l" defTabSz="731520" rtl="0" eaLnBrk="1" latinLnBrk="0" hangingPunct="1">
-        <a:defRPr sz="1440" kern="1200">
+      <a:lvl2pPr marL="514350" algn="l" defTabSz="1028700" rtl="0" eaLnBrk="1" latinLnBrk="0" hangingPunct="1">
+        <a:defRPr sz="2025" kern="1200">
           <a:solidFill>
             <a:schemeClr val="tx1"/>
           </a:solidFill>
@@ -2890,8 +2893,8 @@
           <a:cs typeface="+mn-cs"/>
         </a:defRPr>
       </a:lvl2pPr>
-      <a:lvl3pPr marL="731520" algn="l" defTabSz="731520" rtl="0" eaLnBrk="1" latinLnBrk="0" hangingPunct="1">
-        <a:defRPr sz="1440" kern="1200">
+      <a:lvl3pPr marL="1028700" algn="l" defTabSz="1028700" rtl="0" eaLnBrk="1" latinLnBrk="0" hangingPunct="1">
+        <a:defRPr sz="2025" kern="1200">
           <a:solidFill>
             <a:schemeClr val="tx1"/>
           </a:solidFill>
@@ -2900,8 +2903,8 @@
           <a:cs typeface="+mn-cs"/>
         </a:defRPr>
       </a:lvl3pPr>
-      <a:lvl4pPr marL="1097280" algn="l" defTabSz="731520" rtl="0" eaLnBrk="1" latinLnBrk="0" hangingPunct="1">
-        <a:defRPr sz="1440" kern="1200">
+      <a:lvl4pPr marL="1543050" algn="l" defTabSz="1028700" rtl="0" eaLnBrk="1" latinLnBrk="0" hangingPunct="1">
+        <a:defRPr sz="2025" kern="1200">
           <a:solidFill>
             <a:schemeClr val="tx1"/>
           </a:solidFill>
@@ -2910,8 +2913,8 @@
           <a:cs typeface="+mn-cs"/>
         </a:defRPr>
       </a:lvl4pPr>
-      <a:lvl5pPr marL="1463040" algn="l" defTabSz="731520" rtl="0" eaLnBrk="1" latinLnBrk="0" hangingPunct="1">
-        <a:defRPr sz="1440" kern="1200">
+      <a:lvl5pPr marL="2057400" algn="l" defTabSz="1028700" rtl="0" eaLnBrk="1" latinLnBrk="0" hangingPunct="1">
+        <a:defRPr sz="2025" kern="1200">
           <a:solidFill>
             <a:schemeClr val="tx1"/>
           </a:solidFill>
@@ -2920,8 +2923,8 @@
           <a:cs typeface="+mn-cs"/>
         </a:defRPr>
       </a:lvl5pPr>
-      <a:lvl6pPr marL="1828800" algn="l" defTabSz="731520" rtl="0" eaLnBrk="1" latinLnBrk="0" hangingPunct="1">
-        <a:defRPr sz="1440" kern="1200">
+      <a:lvl6pPr marL="2571750" algn="l" defTabSz="1028700" rtl="0" eaLnBrk="1" latinLnBrk="0" hangingPunct="1">
+        <a:defRPr sz="2025" kern="1200">
           <a:solidFill>
             <a:schemeClr val="tx1"/>
           </a:solidFill>
@@ -2930,8 +2933,8 @@
           <a:cs typeface="+mn-cs"/>
         </a:defRPr>
       </a:lvl6pPr>
-      <a:lvl7pPr marL="2194560" algn="l" defTabSz="731520" rtl="0" eaLnBrk="1" latinLnBrk="0" hangingPunct="1">
-        <a:defRPr sz="1440" kern="1200">
+      <a:lvl7pPr marL="3086100" algn="l" defTabSz="1028700" rtl="0" eaLnBrk="1" latinLnBrk="0" hangingPunct="1">
+        <a:defRPr sz="2025" kern="1200">
           <a:solidFill>
             <a:schemeClr val="tx1"/>
           </a:solidFill>
@@ -2940,8 +2943,8 @@
           <a:cs typeface="+mn-cs"/>
         </a:defRPr>
       </a:lvl7pPr>
-      <a:lvl8pPr marL="2560320" algn="l" defTabSz="731520" rtl="0" eaLnBrk="1" latinLnBrk="0" hangingPunct="1">
-        <a:defRPr sz="1440" kern="1200">
+      <a:lvl8pPr marL="3600450" algn="l" defTabSz="1028700" rtl="0" eaLnBrk="1" latinLnBrk="0" hangingPunct="1">
+        <a:defRPr sz="2025" kern="1200">
           <a:solidFill>
             <a:schemeClr val="tx1"/>
           </a:solidFill>
@@ -2950,8 +2953,8 @@
           <a:cs typeface="+mn-cs"/>
         </a:defRPr>
       </a:lvl8pPr>
-      <a:lvl9pPr marL="2926080" algn="l" defTabSz="731520" rtl="0" eaLnBrk="1" latinLnBrk="0" hangingPunct="1">
-        <a:defRPr sz="1440" kern="1200">
+      <a:lvl9pPr marL="4114800" algn="l" defTabSz="1028700" rtl="0" eaLnBrk="1" latinLnBrk="0" hangingPunct="1">
+        <a:defRPr sz="2025" kern="1200">
           <a:solidFill>
             <a:schemeClr val="tx1"/>
           </a:solidFill>
@@ -2996,7 +2999,7 @@
         </p:nvSpPr>
         <p:spPr bwMode="auto">
           <a:xfrm>
-            <a:off x="1150121" y="1007953"/>
+            <a:off x="4350523" y="1922353"/>
             <a:ext cx="2031059" cy="1072634"/>
           </a:xfrm>
           <a:prstGeom prst="roundRect">
@@ -3046,7 +3049,7 @@
         </p:nvSpPr>
         <p:spPr>
           <a:xfrm>
-            <a:off x="1550123" y="1380679"/>
+            <a:off x="4750523" y="2295081"/>
             <a:ext cx="1346798" cy="323165"/>
           </a:xfrm>
           <a:prstGeom prst="rect">
@@ -3083,7 +3086,7 @@
         </p:nvSpPr>
         <p:spPr bwMode="auto">
           <a:xfrm>
-            <a:off x="1881392" y="1876747"/>
+            <a:off x="5081794" y="2791147"/>
             <a:ext cx="2031059" cy="1072634"/>
           </a:xfrm>
           <a:prstGeom prst="roundRect">
@@ -3135,7 +3138,7 @@
         </p:nvSpPr>
         <p:spPr bwMode="auto">
           <a:xfrm>
-            <a:off x="2700325" y="2709921"/>
+            <a:off x="5900727" y="3624321"/>
             <a:ext cx="2031059" cy="1072634"/>
           </a:xfrm>
           <a:prstGeom prst="roundRect">
@@ -3187,7 +3190,7 @@
         </p:nvSpPr>
         <p:spPr>
           <a:xfrm>
-            <a:off x="3026509" y="3098628"/>
+            <a:off x="6226911" y="4013030"/>
             <a:ext cx="1378689" cy="323165"/>
           </a:xfrm>
           <a:prstGeom prst="rect">
@@ -3224,7 +3227,7 @@
         </p:nvSpPr>
         <p:spPr bwMode="auto">
           <a:xfrm>
-            <a:off x="3459068" y="3571038"/>
+            <a:off x="6659470" y="4485438"/>
             <a:ext cx="2031059" cy="1072634"/>
           </a:xfrm>
           <a:prstGeom prst="roundRect">
@@ -3276,7 +3279,7 @@
         </p:nvSpPr>
         <p:spPr>
           <a:xfrm>
-            <a:off x="3650619" y="3817423"/>
+            <a:off x="6851019" y="4731823"/>
             <a:ext cx="1647954" cy="553998"/>
           </a:xfrm>
           <a:prstGeom prst="rect">
@@ -3323,7 +3326,7 @@
         </p:nvSpPr>
         <p:spPr>
           <a:xfrm>
-            <a:off x="1916116" y="2053791"/>
+            <a:off x="5116516" y="2968191"/>
             <a:ext cx="2031060" cy="553998"/>
           </a:xfrm>
           <a:prstGeom prst="rect">
@@ -3360,7 +3363,7 @@
         </p:nvSpPr>
         <p:spPr bwMode="auto">
           <a:xfrm>
-            <a:off x="4084899" y="4406289"/>
+            <a:off x="7285301" y="5320689"/>
             <a:ext cx="2031059" cy="1072634"/>
           </a:xfrm>
           <a:prstGeom prst="roundRect">
@@ -3412,7 +3415,7 @@
         </p:nvSpPr>
         <p:spPr>
           <a:xfrm>
-            <a:off x="4276450" y="4735205"/>
+            <a:off x="7476850" y="5649605"/>
             <a:ext cx="1647954" cy="477054"/>
           </a:xfrm>
           <a:prstGeom prst="rect">
@@ -3449,6 +3452,452 @@
     <p:extLst>
       <p:ext uri="{BB962C8B-B14F-4D97-AF65-F5344CB8AC3E}">
         <p14:creationId xmlns:p14="http://schemas.microsoft.com/office/powerpoint/2010/main" val="2314918843"/>
+      </p:ext>
+    </p:extLst>
+  </p:cSld>
+  <p:clrMapOvr>
+    <a:masterClrMapping/>
+  </p:clrMapOvr>
+</p:sld>
+</file>
+
+<file path=ppt/slides/slide2.xml><?xml version="1.0" encoding="utf-8"?>
+<p:sld xmlns:a="http://schemas.openxmlformats.org/drawingml/2006/main" xmlns:r="http://schemas.openxmlformats.org/officeDocument/2006/relationships" xmlns:p="http://schemas.openxmlformats.org/presentationml/2006/main">
+  <p:cSld>
+    <p:spTree>
+      <p:nvGrpSpPr>
+        <p:cNvPr id="1" name=""/>
+        <p:cNvGrpSpPr/>
+        <p:nvPr/>
+      </p:nvGrpSpPr>
+      <p:grpSpPr>
+        <a:xfrm>
+          <a:off x="0" y="0"/>
+          <a:ext cx="0" cy="0"/>
+          <a:chOff x="0" y="0"/>
+          <a:chExt cx="0" cy="0"/>
+        </a:xfrm>
+      </p:grpSpPr>
+      <p:sp>
+        <p:nvSpPr>
+          <p:cNvPr id="11" name="TextBox 10">
+            <a:extLst>
+              <a:ext uri="{FF2B5EF4-FFF2-40B4-BE49-F238E27FC236}">
+                <a16:creationId xmlns:a16="http://schemas.microsoft.com/office/drawing/2014/main" id="{C894B2B8-780F-CB6F-ED05-D4FCC9B671E7}"/>
+              </a:ext>
+            </a:extLst>
+          </p:cNvPr>
+          <p:cNvSpPr txBox="1"/>
+          <p:nvPr/>
+        </p:nvSpPr>
+        <p:spPr>
+          <a:xfrm>
+            <a:off x="2914623" y="2019220"/>
+            <a:ext cx="1346798" cy="276999"/>
+          </a:xfrm>
+          <a:prstGeom prst="rect">
+            <a:avLst/>
+          </a:prstGeom>
+          <a:noFill/>
+        </p:spPr>
+        <p:txBody>
+          <a:bodyPr wrap="square" rtlCol="0">
+            <a:spAutoFit/>
+          </a:bodyPr>
+          <a:lstStyle/>
+          <a:p>
+            <a:r>
+              <a:rPr lang="en-US" sz="1200" dirty="0">
+                <a:latin typeface="Arial" panose="020B0604020202020204" pitchFamily="34" charset="0"/>
+                <a:cs typeface="Arial" panose="020B0604020202020204" pitchFamily="34" charset="0"/>
+              </a:rPr>
+              <a:t>Zoom setup</a:t>
+            </a:r>
+          </a:p>
+        </p:txBody>
+      </p:sp>
+      <p:pic>
+        <p:nvPicPr>
+          <p:cNvPr id="15" name="Picture 14">
+            <a:extLst>
+              <a:ext uri="{FF2B5EF4-FFF2-40B4-BE49-F238E27FC236}">
+                <a16:creationId xmlns:a16="http://schemas.microsoft.com/office/drawing/2014/main" id="{2DB91F61-1908-8A28-AA37-5D711605A4FF}"/>
+              </a:ext>
+            </a:extLst>
+          </p:cNvPr>
+          <p:cNvPicPr>
+            <a:picLocks noChangeAspect="1"/>
+          </p:cNvPicPr>
+          <p:nvPr/>
+        </p:nvPicPr>
+        <p:blipFill>
+          <a:blip r:embed="rId2"/>
+          <a:stretch>
+            <a:fillRect/>
+          </a:stretch>
+        </p:blipFill>
+        <p:spPr>
+          <a:xfrm>
+            <a:off x="2914623" y="647620"/>
+            <a:ext cx="2194560" cy="1371600"/>
+          </a:xfrm>
+          <a:prstGeom prst="rect">
+            <a:avLst/>
+          </a:prstGeom>
+          <a:ln>
+            <a:solidFill>
+              <a:schemeClr val="tx1"/>
+            </a:solidFill>
+          </a:ln>
+        </p:spPr>
+      </p:pic>
+      <p:pic>
+        <p:nvPicPr>
+          <p:cNvPr id="17" name="Picture 16">
+            <a:extLst>
+              <a:ext uri="{FF2B5EF4-FFF2-40B4-BE49-F238E27FC236}">
+                <a16:creationId xmlns:a16="http://schemas.microsoft.com/office/drawing/2014/main" id="{50507128-1080-7CB5-D7AD-C28AD9D14359}"/>
+              </a:ext>
+            </a:extLst>
+          </p:cNvPr>
+          <p:cNvPicPr>
+            <a:picLocks noChangeAspect="1"/>
+          </p:cNvPicPr>
+          <p:nvPr/>
+        </p:nvPicPr>
+        <p:blipFill>
+          <a:blip r:embed="rId3"/>
+          <a:stretch>
+            <a:fillRect/>
+          </a:stretch>
+        </p:blipFill>
+        <p:spPr>
+          <a:xfrm>
+            <a:off x="4600300" y="1789184"/>
+            <a:ext cx="2194560" cy="1371600"/>
+          </a:xfrm>
+          <a:prstGeom prst="rect">
+            <a:avLst/>
+          </a:prstGeom>
+          <a:ln>
+            <a:solidFill>
+              <a:schemeClr val="tx1"/>
+            </a:solidFill>
+          </a:ln>
+        </p:spPr>
+      </p:pic>
+      <p:pic>
+        <p:nvPicPr>
+          <p:cNvPr id="21" name="Picture 20">
+            <a:extLst>
+              <a:ext uri="{FF2B5EF4-FFF2-40B4-BE49-F238E27FC236}">
+                <a16:creationId xmlns:a16="http://schemas.microsoft.com/office/drawing/2014/main" id="{2A5E7261-F8F1-A585-FEE7-179A3374F37C}"/>
+              </a:ext>
+            </a:extLst>
+          </p:cNvPr>
+          <p:cNvPicPr>
+            <a:picLocks noChangeAspect="1"/>
+          </p:cNvPicPr>
+          <p:nvPr/>
+        </p:nvPicPr>
+        <p:blipFill>
+          <a:blip r:embed="rId4"/>
+          <a:stretch>
+            <a:fillRect/>
+          </a:stretch>
+        </p:blipFill>
+        <p:spPr>
+          <a:xfrm>
+            <a:off x="6285977" y="2960350"/>
+            <a:ext cx="2194560" cy="1371600"/>
+          </a:xfrm>
+          <a:prstGeom prst="rect">
+            <a:avLst/>
+          </a:prstGeom>
+          <a:ln>
+            <a:solidFill>
+              <a:schemeClr val="tx1"/>
+            </a:solidFill>
+          </a:ln>
+        </p:spPr>
+      </p:pic>
+      <p:pic>
+        <p:nvPicPr>
+          <p:cNvPr id="23" name="Picture 22">
+            <a:extLst>
+              <a:ext uri="{FF2B5EF4-FFF2-40B4-BE49-F238E27FC236}">
+                <a16:creationId xmlns:a16="http://schemas.microsoft.com/office/drawing/2014/main" id="{DFF17097-F92A-B871-51E2-178FFA2D21F0}"/>
+              </a:ext>
+            </a:extLst>
+          </p:cNvPr>
+          <p:cNvPicPr>
+            <a:picLocks noChangeAspect="1"/>
+          </p:cNvPicPr>
+          <p:nvPr/>
+        </p:nvPicPr>
+        <p:blipFill>
+          <a:blip r:embed="rId5"/>
+          <a:stretch>
+            <a:fillRect/>
+          </a:stretch>
+        </p:blipFill>
+        <p:spPr>
+          <a:xfrm>
+            <a:off x="8043215" y="4114800"/>
+            <a:ext cx="2194560" cy="1371600"/>
+          </a:xfrm>
+          <a:prstGeom prst="rect">
+            <a:avLst/>
+          </a:prstGeom>
+          <a:ln>
+            <a:solidFill>
+              <a:schemeClr val="tx1"/>
+            </a:solidFill>
+          </a:ln>
+        </p:spPr>
+      </p:pic>
+      <p:pic>
+        <p:nvPicPr>
+          <p:cNvPr id="19" name="Picture 18">
+            <a:extLst>
+              <a:ext uri="{FF2B5EF4-FFF2-40B4-BE49-F238E27FC236}">
+                <a16:creationId xmlns:a16="http://schemas.microsoft.com/office/drawing/2014/main" id="{224A18B8-A73B-B5B6-4457-6AD9E7EA0C57}"/>
+              </a:ext>
+            </a:extLst>
+          </p:cNvPr>
+          <p:cNvPicPr>
+            <a:picLocks noChangeAspect="1"/>
+          </p:cNvPicPr>
+          <p:nvPr/>
+        </p:nvPicPr>
+        <p:blipFill>
+          <a:blip r:embed="rId6"/>
+          <a:stretch>
+            <a:fillRect/>
+          </a:stretch>
+        </p:blipFill>
+        <p:spPr>
+          <a:xfrm>
+            <a:off x="9800453" y="5269250"/>
+            <a:ext cx="2194560" cy="1371600"/>
+          </a:xfrm>
+          <a:prstGeom prst="rect">
+            <a:avLst/>
+          </a:prstGeom>
+          <a:ln>
+            <a:solidFill>
+              <a:schemeClr val="tx1"/>
+            </a:solidFill>
+          </a:ln>
+        </p:spPr>
+      </p:pic>
+      <p:sp>
+        <p:nvSpPr>
+          <p:cNvPr id="24" name="TextBox 23">
+            <a:extLst>
+              <a:ext uri="{FF2B5EF4-FFF2-40B4-BE49-F238E27FC236}">
+                <a16:creationId xmlns:a16="http://schemas.microsoft.com/office/drawing/2014/main" id="{DC48CD2D-8487-8DAE-6EBE-3A2233B7C2C3}"/>
+              </a:ext>
+            </a:extLst>
+          </p:cNvPr>
+          <p:cNvSpPr txBox="1"/>
+          <p:nvPr/>
+        </p:nvSpPr>
+        <p:spPr>
+          <a:xfrm>
+            <a:off x="4600300" y="3160784"/>
+            <a:ext cx="1346798" cy="276999"/>
+          </a:xfrm>
+          <a:prstGeom prst="rect">
+            <a:avLst/>
+          </a:prstGeom>
+          <a:noFill/>
+        </p:spPr>
+        <p:txBody>
+          <a:bodyPr wrap="square" rtlCol="0">
+            <a:spAutoFit/>
+          </a:bodyPr>
+          <a:lstStyle/>
+          <a:p>
+            <a:r>
+              <a:rPr lang="en-US" sz="1200" dirty="0">
+                <a:latin typeface="Arial" panose="020B0604020202020204" pitchFamily="34" charset="0"/>
+                <a:cs typeface="Arial" panose="020B0604020202020204" pitchFamily="34" charset="0"/>
+              </a:rPr>
+              <a:t>Instructions</a:t>
+            </a:r>
+          </a:p>
+        </p:txBody>
+      </p:sp>
+      <p:sp>
+        <p:nvSpPr>
+          <p:cNvPr id="25" name="TextBox 24">
+            <a:extLst>
+              <a:ext uri="{FF2B5EF4-FFF2-40B4-BE49-F238E27FC236}">
+                <a16:creationId xmlns:a16="http://schemas.microsoft.com/office/drawing/2014/main" id="{B558619B-54AD-A791-124B-CDA1EDA416B0}"/>
+              </a:ext>
+            </a:extLst>
+          </p:cNvPr>
+          <p:cNvSpPr txBox="1"/>
+          <p:nvPr/>
+        </p:nvSpPr>
+        <p:spPr>
+          <a:xfrm>
+            <a:off x="6285977" y="4331950"/>
+            <a:ext cx="1346798" cy="276999"/>
+          </a:xfrm>
+          <a:prstGeom prst="rect">
+            <a:avLst/>
+          </a:prstGeom>
+          <a:noFill/>
+        </p:spPr>
+        <p:txBody>
+          <a:bodyPr wrap="square" rtlCol="0">
+            <a:spAutoFit/>
+          </a:bodyPr>
+          <a:lstStyle/>
+          <a:p>
+            <a:r>
+              <a:rPr lang="en-US" sz="1200" dirty="0">
+                <a:latin typeface="Arial" panose="020B0604020202020204" pitchFamily="34" charset="0"/>
+                <a:cs typeface="Arial" panose="020B0604020202020204" pitchFamily="34" charset="0"/>
+              </a:rPr>
+              <a:t>Passage text</a:t>
+            </a:r>
+          </a:p>
+        </p:txBody>
+      </p:sp>
+      <p:sp>
+        <p:nvSpPr>
+          <p:cNvPr id="26" name="TextBox 25">
+            <a:extLst>
+              <a:ext uri="{FF2B5EF4-FFF2-40B4-BE49-F238E27FC236}">
+                <a16:creationId xmlns:a16="http://schemas.microsoft.com/office/drawing/2014/main" id="{18597E66-1FA9-FBE4-108B-78F5B6A5D093}"/>
+              </a:ext>
+            </a:extLst>
+          </p:cNvPr>
+          <p:cNvSpPr txBox="1"/>
+          <p:nvPr/>
+        </p:nvSpPr>
+        <p:spPr>
+          <a:xfrm>
+            <a:off x="8043214" y="5486400"/>
+            <a:ext cx="1583385" cy="461665"/>
+          </a:xfrm>
+          <a:prstGeom prst="rect">
+            <a:avLst/>
+          </a:prstGeom>
+          <a:noFill/>
+        </p:spPr>
+        <p:txBody>
+          <a:bodyPr wrap="square" rtlCol="0">
+            <a:spAutoFit/>
+          </a:bodyPr>
+          <a:lstStyle/>
+          <a:p>
+            <a:r>
+              <a:rPr lang="en-US" sz="1200" dirty="0">
+                <a:latin typeface="Arial" panose="020B0604020202020204" pitchFamily="34" charset="0"/>
+                <a:cs typeface="Arial" panose="020B0604020202020204" pitchFamily="34" charset="0"/>
+              </a:rPr>
+              <a:t>Comprehension</a:t>
+            </a:r>
+          </a:p>
+          <a:p>
+            <a:r>
+              <a:rPr lang="en-US" sz="1200" dirty="0">
+                <a:latin typeface="Arial" panose="020B0604020202020204" pitchFamily="34" charset="0"/>
+                <a:cs typeface="Arial" panose="020B0604020202020204" pitchFamily="34" charset="0"/>
+              </a:rPr>
+              <a:t>question</a:t>
+            </a:r>
+          </a:p>
+        </p:txBody>
+      </p:sp>
+      <p:sp>
+        <p:nvSpPr>
+          <p:cNvPr id="27" name="TextBox 26">
+            <a:extLst>
+              <a:ext uri="{FF2B5EF4-FFF2-40B4-BE49-F238E27FC236}">
+                <a16:creationId xmlns:a16="http://schemas.microsoft.com/office/drawing/2014/main" id="{A247F3C4-78A7-3B05-D139-5F08E6D9EEBB}"/>
+              </a:ext>
+            </a:extLst>
+          </p:cNvPr>
+          <p:cNvSpPr txBox="1"/>
+          <p:nvPr/>
+        </p:nvSpPr>
+        <p:spPr>
+          <a:xfrm>
+            <a:off x="9800453" y="6640850"/>
+            <a:ext cx="1583385" cy="276999"/>
+          </a:xfrm>
+          <a:prstGeom prst="rect">
+            <a:avLst/>
+          </a:prstGeom>
+          <a:noFill/>
+        </p:spPr>
+        <p:txBody>
+          <a:bodyPr wrap="square" rtlCol="0">
+            <a:spAutoFit/>
+          </a:bodyPr>
+          <a:lstStyle/>
+          <a:p>
+            <a:r>
+              <a:rPr lang="en-US" sz="1200" dirty="0">
+                <a:latin typeface="Arial" panose="020B0604020202020204" pitchFamily="34" charset="0"/>
+                <a:cs typeface="Arial" panose="020B0604020202020204" pitchFamily="34" charset="0"/>
+              </a:rPr>
+              <a:t>Optional break</a:t>
+            </a:r>
+          </a:p>
+        </p:txBody>
+      </p:sp>
+      <p:cxnSp>
+        <p:nvCxnSpPr>
+          <p:cNvPr id="29" name="Straight Arrow Connector 28">
+            <a:extLst>
+              <a:ext uri="{FF2B5EF4-FFF2-40B4-BE49-F238E27FC236}">
+                <a16:creationId xmlns:a16="http://schemas.microsoft.com/office/drawing/2014/main" id="{6EE66A65-1BD4-EA0E-85DC-386ECE4A337E}"/>
+              </a:ext>
+            </a:extLst>
+          </p:cNvPr>
+          <p:cNvCxnSpPr/>
+          <p:nvPr/>
+        </p:nvCxnSpPr>
+        <p:spPr>
+          <a:xfrm>
+            <a:off x="2914623" y="2474984"/>
+            <a:ext cx="6359195" cy="4483100"/>
+          </a:xfrm>
+          <a:prstGeom prst="straightConnector1">
+            <a:avLst/>
+          </a:prstGeom>
+          <a:ln w="57150">
+            <a:solidFill>
+              <a:schemeClr val="tx1"/>
+            </a:solidFill>
+            <a:tailEnd type="triangle"/>
+          </a:ln>
+        </p:spPr>
+        <p:style>
+          <a:lnRef idx="1">
+            <a:schemeClr val="accent1"/>
+          </a:lnRef>
+          <a:fillRef idx="0">
+            <a:schemeClr val="accent1"/>
+          </a:fillRef>
+          <a:effectRef idx="0">
+            <a:schemeClr val="accent1"/>
+          </a:effectRef>
+          <a:fontRef idx="minor">
+            <a:schemeClr val="tx1"/>
+          </a:fontRef>
+        </p:style>
+      </p:cxnSp>
+    </p:spTree>
+    <p:extLst>
+      <p:ext uri="{BB962C8B-B14F-4D97-AF65-F5344CB8AC3E}">
+        <p14:creationId xmlns:p14="http://schemas.microsoft.com/office/powerpoint/2010/main" val="3651725033"/>
       </p:ext>
     </p:extLst>
   </p:cSld>
